--- a/database/slides/I'LL_TURN_MY_STEPS/3.pptx
+++ b/database/slides/I'LL_TURN_MY_STEPS/3.pptx
@@ -765,16 +765,29 @@
           </a:bodyPr>
           <a:lstStyle/>
           <a:p>
-            <a:pPr marL="0" lvl="0" indent="0" algn="l" rtl="0">
-              <a:spcBef>
-                <a:spcPts val="0"/>
-              </a:spcBef>
-              <a:spcAft>
-                <a:spcPts val="0"/>
-              </a:spcAft>
-              <a:buNone/>
+            <a:pPr marL="0" marR="0" lvl="0" indent="0" algn="l" defTabSz="914400" rtl="0" eaLnBrk="1" fontAlgn="auto" latinLnBrk="0" hangingPunct="1">
+              <a:lnSpc>
+                <a:spcPct val="100000"/>
+              </a:lnSpc>
+              <a:spcBef>
+                <a:spcPts val="0"/>
+              </a:spcBef>
+              <a:spcAft>
+                <a:spcPts val="0"/>
+              </a:spcAft>
+              <a:buClr>
+                <a:srgbClr val="000000"/>
+              </a:buClr>
+              <a:buSzPts val="1100"/>
+              <a:buFont typeface="Arial"/>
+              <a:buNone/>
+              <a:tabLst/>
+              <a:defRPr/>
             </a:pPr>
-            <a:endParaRPr dirty="0"/>
+            <a:r>
+              <a:rPr lang="en-US"/>
+              <a:t>RECEIPPT-TAGS:ENTRANCE</a:t>
+            </a:r>
           </a:p>
         </p:txBody>
       </p:sp>
